--- a/carlosM/notes/project_useful_notes.pptx
+++ b/carlosM/notes/project_useful_notes.pptx
@@ -3355,13 +3355,8 @@
           <a:p>
             <a:r>
               <a:rPr lang="en-US" dirty="0"/>
-              <a:t>Link </a:t>
-            </a:r>
-            <a:r>
-              <a:rPr lang="en-US"/>
-              <a:t>for bootstrapping:</a:t>
-            </a:r>
-            <a:endParaRPr lang="en-US" dirty="0"/>
+              <a:t>Link for bootstrapping:</a:t>
+            </a:r>
           </a:p>
           <a:p>
             <a:endParaRPr lang="en-US" dirty="0"/>
@@ -3382,6 +3377,36 @@
           </a:p>
         </p:txBody>
       </p:sp>
+      <p:pic>
+        <p:nvPicPr>
+          <p:cNvPr id="6" name="Picture 5" descr="A picture containing table&#10;&#10;Description automatically generated">
+            <a:extLst>
+              <a:ext uri="{FF2B5EF4-FFF2-40B4-BE49-F238E27FC236}">
+                <a16:creationId xmlns:a16="http://schemas.microsoft.com/office/drawing/2014/main" id="{7D3E6173-750C-1630-9B3D-ADAF19392EBC}"/>
+              </a:ext>
+            </a:extLst>
+          </p:cNvPr>
+          <p:cNvPicPr>
+            <a:picLocks noChangeAspect="1"/>
+          </p:cNvPicPr>
+          <p:nvPr/>
+        </p:nvPicPr>
+        <p:blipFill>
+          <a:blip r:embed="rId2"/>
+          <a:stretch>
+            <a:fillRect/>
+          </a:stretch>
+        </p:blipFill>
+        <p:spPr>
+          <a:xfrm>
+            <a:off x="476250" y="2076450"/>
+            <a:ext cx="11239500" cy="2705100"/>
+          </a:xfrm>
+          <a:prstGeom prst="rect">
+            <a:avLst/>
+          </a:prstGeom>
+        </p:spPr>
+      </p:pic>
     </p:spTree>
     <p:extLst>
       <p:ext uri="{BB962C8B-B14F-4D97-AF65-F5344CB8AC3E}">
